--- a/Woocommerce Toàn Tập A - Z.pptx
+++ b/Woocommerce Toàn Tập A - Z.pptx
@@ -285,7 +285,7 @@
           <a:p>
             <a:fld id="{7DB540D3-39DB-46E3-9558-C8A50A5C5717}" type="datetimeFigureOut">
               <a:rPr lang="en-US" smtClean="0"/>
-              <a:t>25/09/2024</a:t>
+              <a:t>23/12/2024</a:t>
             </a:fld>
             <a:endParaRPr lang="en-US"/>
           </a:p>
@@ -483,7 +483,7 @@
           <a:p>
             <a:fld id="{7DB540D3-39DB-46E3-9558-C8A50A5C5717}" type="datetimeFigureOut">
               <a:rPr lang="en-US" smtClean="0"/>
-              <a:t>25/09/2024</a:t>
+              <a:t>23/12/2024</a:t>
             </a:fld>
             <a:endParaRPr lang="en-US"/>
           </a:p>
@@ -691,7 +691,7 @@
           <a:p>
             <a:fld id="{7DB540D3-39DB-46E3-9558-C8A50A5C5717}" type="datetimeFigureOut">
               <a:rPr lang="en-US" smtClean="0"/>
-              <a:t>25/09/2024</a:t>
+              <a:t>23/12/2024</a:t>
             </a:fld>
             <a:endParaRPr lang="en-US"/>
           </a:p>
@@ -889,7 +889,7 @@
           <a:p>
             <a:fld id="{7DB540D3-39DB-46E3-9558-C8A50A5C5717}" type="datetimeFigureOut">
               <a:rPr lang="en-US" smtClean="0"/>
-              <a:t>25/09/2024</a:t>
+              <a:t>23/12/2024</a:t>
             </a:fld>
             <a:endParaRPr lang="en-US"/>
           </a:p>
@@ -1164,7 +1164,7 @@
           <a:p>
             <a:fld id="{7DB540D3-39DB-46E3-9558-C8A50A5C5717}" type="datetimeFigureOut">
               <a:rPr lang="en-US" smtClean="0"/>
-              <a:t>25/09/2024</a:t>
+              <a:t>23/12/2024</a:t>
             </a:fld>
             <a:endParaRPr lang="en-US"/>
           </a:p>
@@ -1429,7 +1429,7 @@
           <a:p>
             <a:fld id="{7DB540D3-39DB-46E3-9558-C8A50A5C5717}" type="datetimeFigureOut">
               <a:rPr lang="en-US" smtClean="0"/>
-              <a:t>25/09/2024</a:t>
+              <a:t>23/12/2024</a:t>
             </a:fld>
             <a:endParaRPr lang="en-US"/>
           </a:p>
@@ -1841,7 +1841,7 @@
           <a:p>
             <a:fld id="{7DB540D3-39DB-46E3-9558-C8A50A5C5717}" type="datetimeFigureOut">
               <a:rPr lang="en-US" smtClean="0"/>
-              <a:t>25/09/2024</a:t>
+              <a:t>23/12/2024</a:t>
             </a:fld>
             <a:endParaRPr lang="en-US"/>
           </a:p>
@@ -1982,7 +1982,7 @@
           <a:p>
             <a:fld id="{7DB540D3-39DB-46E3-9558-C8A50A5C5717}" type="datetimeFigureOut">
               <a:rPr lang="en-US" smtClean="0"/>
-              <a:t>25/09/2024</a:t>
+              <a:t>23/12/2024</a:t>
             </a:fld>
             <a:endParaRPr lang="en-US"/>
           </a:p>
@@ -2095,7 +2095,7 @@
           <a:p>
             <a:fld id="{7DB540D3-39DB-46E3-9558-C8A50A5C5717}" type="datetimeFigureOut">
               <a:rPr lang="en-US" smtClean="0"/>
-              <a:t>25/09/2024</a:t>
+              <a:t>23/12/2024</a:t>
             </a:fld>
             <a:endParaRPr lang="en-US"/>
           </a:p>
@@ -2406,7 +2406,7 @@
           <a:p>
             <a:fld id="{7DB540D3-39DB-46E3-9558-C8A50A5C5717}" type="datetimeFigureOut">
               <a:rPr lang="en-US" smtClean="0"/>
-              <a:t>25/09/2024</a:t>
+              <a:t>23/12/2024</a:t>
             </a:fld>
             <a:endParaRPr lang="en-US"/>
           </a:p>
@@ -2694,7 +2694,7 @@
           <a:p>
             <a:fld id="{7DB540D3-39DB-46E3-9558-C8A50A5C5717}" type="datetimeFigureOut">
               <a:rPr lang="en-US" smtClean="0"/>
-              <a:t>25/09/2024</a:t>
+              <a:t>23/12/2024</a:t>
             </a:fld>
             <a:endParaRPr lang="en-US"/>
           </a:p>
@@ -2935,7 +2935,7 @@
           <a:p>
             <a:fld id="{7DB540D3-39DB-46E3-9558-C8A50A5C5717}" type="datetimeFigureOut">
               <a:rPr lang="en-US" smtClean="0"/>
-              <a:t>25/09/2024</a:t>
+              <a:t>23/12/2024</a:t>
             </a:fld>
             <a:endParaRPr lang="en-US"/>
           </a:p>
@@ -5752,7 +5752,7 @@
         </p:blipFill>
         <p:spPr>
           <a:xfrm>
-            <a:off x="838200" y="1692460"/>
+            <a:off x="252274" y="780680"/>
             <a:ext cx="3229426" cy="2648320"/>
           </a:xfrm>
           <a:prstGeom prst="rect">
